--- a/Презентация.pptx
+++ b/Презентация.pptx
@@ -7,6 +7,10 @@
   <p:sldIdLst>
     <p:sldId id="256" r:id="rId2"/>
     <p:sldId id="257" r:id="rId3"/>
+    <p:sldId id="258" r:id="rId4"/>
+    <p:sldId id="259" r:id="rId5"/>
+    <p:sldId id="260" r:id="rId6"/>
+    <p:sldId id="261" r:id="rId7"/>
   </p:sldIdLst>
   <p:sldSz cx="12192000" cy="6858000"/>
   <p:notesSz cx="6858000" cy="9144000"/>
@@ -2412,9 +2416,12 @@
 <p:sldMaster xmlns:a="http://schemas.openxmlformats.org/drawingml/2006/main" xmlns:r="http://schemas.openxmlformats.org/officeDocument/2006/relationships" xmlns:p="http://schemas.openxmlformats.org/presentationml/2006/main">
   <p:cSld>
     <p:bg>
-      <p:bgRef idx="1001">
-        <a:schemeClr val="bg1"/>
-      </p:bgRef>
+      <p:bgPr>
+        <a:solidFill>
+          <a:srgbClr val="ABB8C3"/>
+        </a:solidFill>
+        <a:effectLst/>
+      </p:bgPr>
     </p:bg>
     <p:spTree>
       <p:nvGrpSpPr>
@@ -3119,7 +3126,7 @@
                 <a:solidFill>
                   <a:schemeClr val="bg1"/>
                 </a:solidFill>
-                <a:latin typeface="Jura" pitchFamily="2" charset="0"/>
+                <a:latin typeface="Russo One" panose="02000503050000020004" pitchFamily="2" charset="0"/>
                 <a:ea typeface="Jura" pitchFamily="2" charset="0"/>
               </a:rPr>
               <a:t>Ларенцев Арсений</a:t>
@@ -3128,7 +3135,7 @@
               <a:solidFill>
                 <a:schemeClr val="bg1"/>
               </a:solidFill>
-              <a:latin typeface="Jura" pitchFamily="2" charset="0"/>
+              <a:latin typeface="Russo One" panose="02000503050000020004" pitchFamily="2" charset="0"/>
               <a:ea typeface="Jura" pitchFamily="2" charset="0"/>
             </a:endParaRPr>
           </a:p>
@@ -3139,7 +3146,7 @@
                 <a:solidFill>
                   <a:schemeClr val="bg1"/>
                 </a:solidFill>
-                <a:latin typeface="Jura" pitchFamily="2" charset="0"/>
+                <a:latin typeface="Russo One" panose="02000503050000020004" pitchFamily="2" charset="0"/>
                 <a:ea typeface="Jura" pitchFamily="2" charset="0"/>
               </a:rPr>
               <a:t>Минаков Сергей</a:t>
@@ -3853,6 +3860,39 @@
           </a:p>
         </p:txBody>
       </p:sp>
+      <p:pic>
+        <p:nvPicPr>
+          <p:cNvPr id="54" name="Рисунок 53"/>
+          <p:cNvPicPr>
+            <a:picLocks noChangeAspect="1"/>
+          </p:cNvPicPr>
+          <p:nvPr/>
+        </p:nvPicPr>
+        <p:blipFill>
+          <a:blip r:embed="rId2">
+            <a:extLst>
+              <a:ext uri="{28A0092B-C50C-407E-A947-70E740481C1C}">
+                <a14:useLocalDpi xmlns:a14="http://schemas.microsoft.com/office/drawing/2010/main" val="0"/>
+              </a:ext>
+            </a:extLst>
+          </a:blip>
+          <a:stretch>
+            <a:fillRect/>
+          </a:stretch>
+        </p:blipFill>
+        <p:spPr>
+          <a:xfrm flipV="1">
+            <a:off x="-1091829" y="5840484"/>
+            <a:ext cx="15871082" cy="3807978"/>
+          </a:xfrm>
+          <a:prstGeom prst="rect">
+            <a:avLst/>
+          </a:prstGeom>
+          <a:effectLst>
+            <a:softEdge rad="635000"/>
+          </a:effectLst>
+        </p:spPr>
+      </p:pic>
     </p:spTree>
     <p:extLst>
       <p:ext uri="{BB962C8B-B14F-4D97-AF65-F5344CB8AC3E}">
@@ -4385,6 +4425,729 @@
 </p:sld>
 </file>
 
+<file path=ppt/slides/slide3.xml><?xml version="1.0" encoding="utf-8"?>
+<p:sld xmlns:a="http://schemas.openxmlformats.org/drawingml/2006/main" xmlns:r="http://schemas.openxmlformats.org/officeDocument/2006/relationships" xmlns:p="http://schemas.openxmlformats.org/presentationml/2006/main">
+  <p:cSld>
+    <p:spTree>
+      <p:nvGrpSpPr>
+        <p:cNvPr id="1" name=""/>
+        <p:cNvGrpSpPr/>
+        <p:nvPr/>
+      </p:nvGrpSpPr>
+      <p:grpSpPr>
+        <a:xfrm>
+          <a:off x="0" y="0"/>
+          <a:ext cx="0" cy="0"/>
+          <a:chOff x="0" y="0"/>
+          <a:chExt cx="0" cy="0"/>
+        </a:xfrm>
+      </p:grpSpPr>
+      <p:pic>
+        <p:nvPicPr>
+          <p:cNvPr id="4" name="Рисунок 3"/>
+          <p:cNvPicPr>
+            <a:picLocks noChangeAspect="1"/>
+          </p:cNvPicPr>
+          <p:nvPr/>
+        </p:nvPicPr>
+        <p:blipFill>
+          <a:blip r:embed="rId2">
+            <a:extLst>
+              <a:ext uri="{28A0092B-C50C-407E-A947-70E740481C1C}">
+                <a14:useLocalDpi xmlns:a14="http://schemas.microsoft.com/office/drawing/2010/main" val="0"/>
+              </a:ext>
+            </a:extLst>
+          </a:blip>
+          <a:stretch>
+            <a:fillRect/>
+          </a:stretch>
+        </p:blipFill>
+        <p:spPr>
+          <a:xfrm>
+            <a:off x="0" y="0"/>
+            <a:ext cx="12192000" cy="6857999"/>
+          </a:xfrm>
+          <a:prstGeom prst="rect">
+            <a:avLst/>
+          </a:prstGeom>
+        </p:spPr>
+      </p:pic>
+      <p:sp>
+        <p:nvSpPr>
+          <p:cNvPr id="5" name="TextBox 4"/>
+          <p:cNvSpPr txBox="1"/>
+          <p:nvPr/>
+        </p:nvSpPr>
+        <p:spPr>
+          <a:xfrm>
+            <a:off x="3676650" y="2367170"/>
+            <a:ext cx="4838700" cy="2123658"/>
+          </a:xfrm>
+          <a:prstGeom prst="rect">
+            <a:avLst/>
+          </a:prstGeom>
+          <a:noFill/>
+        </p:spPr>
+        <p:txBody>
+          <a:bodyPr wrap="square" rtlCol="0">
+            <a:spAutoFit/>
+          </a:bodyPr>
+          <a:lstStyle/>
+          <a:p>
+            <a:pPr algn="ctr"/>
+            <a:r>
+              <a:rPr lang="ru-RU" sz="6600" dirty="0" smtClean="0">
+                <a:solidFill>
+                  <a:schemeClr val="bg1"/>
+                </a:solidFill>
+                <a:latin typeface="Russo One" panose="02000503050000020004" pitchFamily="2" charset="0"/>
+                <a:ea typeface="Jura" pitchFamily="2" charset="0"/>
+              </a:rPr>
+              <a:t>Запустим</a:t>
+            </a:r>
+          </a:p>
+          <a:p>
+            <a:pPr algn="ctr"/>
+            <a:r>
+              <a:rPr lang="ru-RU" sz="6600" dirty="0" smtClean="0">
+                <a:solidFill>
+                  <a:schemeClr val="bg1"/>
+                </a:solidFill>
+                <a:latin typeface="Russo One" panose="02000503050000020004" pitchFamily="2" charset="0"/>
+                <a:ea typeface="Jura" pitchFamily="2" charset="0"/>
+              </a:rPr>
+              <a:t>игру</a:t>
+            </a:r>
+          </a:p>
+        </p:txBody>
+      </p:sp>
+    </p:spTree>
+    <p:extLst>
+      <p:ext uri="{BB962C8B-B14F-4D97-AF65-F5344CB8AC3E}">
+        <p14:creationId xmlns:p14="http://schemas.microsoft.com/office/powerpoint/2010/main" val="3970410993"/>
+      </p:ext>
+    </p:extLst>
+  </p:cSld>
+  <p:clrMapOvr>
+    <a:masterClrMapping/>
+  </p:clrMapOvr>
+  <p:transition spd="slow">
+    <p:push dir="u"/>
+  </p:transition>
+  <p:timing>
+    <p:tnLst>
+      <p:par>
+        <p:cTn id="1" dur="indefinite" restart="never" nodeType="tmRoot"/>
+      </p:par>
+    </p:tnLst>
+  </p:timing>
+</p:sld>
+</file>
+
+<file path=ppt/slides/slide4.xml><?xml version="1.0" encoding="utf-8"?>
+<p:sld xmlns:a="http://schemas.openxmlformats.org/drawingml/2006/main" xmlns:r="http://schemas.openxmlformats.org/officeDocument/2006/relationships" xmlns:p="http://schemas.openxmlformats.org/presentationml/2006/main">
+  <p:cSld>
+    <p:spTree>
+      <p:nvGrpSpPr>
+        <p:cNvPr id="1" name=""/>
+        <p:cNvGrpSpPr/>
+        <p:nvPr/>
+      </p:nvGrpSpPr>
+      <p:grpSpPr>
+        <a:xfrm>
+          <a:off x="0" y="0"/>
+          <a:ext cx="0" cy="0"/>
+          <a:chOff x="0" y="0"/>
+          <a:chExt cx="0" cy="0"/>
+        </a:xfrm>
+      </p:grpSpPr>
+      <p:pic>
+        <p:nvPicPr>
+          <p:cNvPr id="11" name="Рисунок 10"/>
+          <p:cNvPicPr>
+            <a:picLocks noChangeAspect="1"/>
+          </p:cNvPicPr>
+          <p:nvPr/>
+        </p:nvPicPr>
+        <p:blipFill>
+          <a:blip r:embed="rId2">
+            <a:extLst>
+              <a:ext uri="{28A0092B-C50C-407E-A947-70E740481C1C}">
+                <a14:useLocalDpi xmlns:a14="http://schemas.microsoft.com/office/drawing/2010/main" val="0"/>
+              </a:ext>
+            </a:extLst>
+          </a:blip>
+          <a:stretch>
+            <a:fillRect/>
+          </a:stretch>
+        </p:blipFill>
+        <p:spPr>
+          <a:xfrm>
+            <a:off x="286901" y="3371867"/>
+            <a:ext cx="8886533" cy="3190858"/>
+          </a:xfrm>
+          <a:prstGeom prst="rect">
+            <a:avLst/>
+          </a:prstGeom>
+        </p:spPr>
+      </p:pic>
+      <p:pic>
+        <p:nvPicPr>
+          <p:cNvPr id="16" name="Рисунок 15"/>
+          <p:cNvPicPr>
+            <a:picLocks noChangeAspect="1"/>
+          </p:cNvPicPr>
+          <p:nvPr/>
+        </p:nvPicPr>
+        <p:blipFill>
+          <a:blip r:embed="rId3">
+            <a:extLst>
+              <a:ext uri="{28A0092B-C50C-407E-A947-70E740481C1C}">
+                <a14:useLocalDpi xmlns:a14="http://schemas.microsoft.com/office/drawing/2010/main" val="0"/>
+              </a:ext>
+            </a:extLst>
+          </a:blip>
+          <a:stretch>
+            <a:fillRect/>
+          </a:stretch>
+        </p:blipFill>
+        <p:spPr>
+          <a:xfrm>
+            <a:off x="286902" y="279859"/>
+            <a:ext cx="5726782" cy="2863391"/>
+          </a:xfrm>
+          <a:prstGeom prst="rect">
+            <a:avLst/>
+          </a:prstGeom>
+        </p:spPr>
+      </p:pic>
+      <p:sp>
+        <p:nvSpPr>
+          <p:cNvPr id="17" name="TextBox 16"/>
+          <p:cNvSpPr txBox="1"/>
+          <p:nvPr/>
+        </p:nvSpPr>
+        <p:spPr>
+          <a:xfrm>
+            <a:off x="7486649" y="98867"/>
+            <a:ext cx="4514851" cy="923330"/>
+          </a:xfrm>
+          <a:prstGeom prst="rect">
+            <a:avLst/>
+          </a:prstGeom>
+          <a:noFill/>
+        </p:spPr>
+        <p:txBody>
+          <a:bodyPr wrap="square" rtlCol="0">
+            <a:spAutoFit/>
+          </a:bodyPr>
+          <a:lstStyle/>
+          <a:p>
+            <a:pPr algn="r"/>
+            <a:r>
+              <a:rPr lang="ru-RU" sz="5400" dirty="0" smtClean="0">
+                <a:solidFill>
+                  <a:srgbClr val="000000"/>
+                </a:solidFill>
+                <a:latin typeface="Russo One" panose="02000503050000020004" pitchFamily="2" charset="0"/>
+                <a:ea typeface="Jura" pitchFamily="2" charset="0"/>
+              </a:rPr>
+              <a:t>Реализация</a:t>
+            </a:r>
+          </a:p>
+        </p:txBody>
+      </p:sp>
+    </p:spTree>
+    <p:extLst>
+      <p:ext uri="{BB962C8B-B14F-4D97-AF65-F5344CB8AC3E}">
+        <p14:creationId xmlns:p14="http://schemas.microsoft.com/office/powerpoint/2010/main" val="1697894411"/>
+      </p:ext>
+    </p:extLst>
+  </p:cSld>
+  <p:clrMapOvr>
+    <a:masterClrMapping/>
+  </p:clrMapOvr>
+  <p:timing>
+    <p:tnLst>
+      <p:par>
+        <p:cTn id="1" dur="indefinite" restart="never" nodeType="tmRoot">
+          <p:childTnLst>
+            <p:seq concurrent="1" nextAc="seek">
+              <p:cTn id="2" dur="indefinite" nodeType="mainSeq">
+                <p:childTnLst>
+                  <p:par>
+                    <p:cTn id="3" fill="hold">
+                      <p:stCondLst>
+                        <p:cond delay="indefinite"/>
+                      </p:stCondLst>
+                      <p:childTnLst>
+                        <p:par>
+                          <p:cTn id="4" fill="hold">
+                            <p:stCondLst>
+                              <p:cond delay="0"/>
+                            </p:stCondLst>
+                            <p:childTnLst>
+                              <p:par>
+                                <p:cTn id="5" presetID="2" presetClass="entr" presetSubtype="4" decel="100000" fill="hold" nodeType="clickEffect">
+                                  <p:stCondLst>
+                                    <p:cond delay="0"/>
+                                  </p:stCondLst>
+                                  <p:childTnLst>
+                                    <p:set>
+                                      <p:cBhvr>
+                                        <p:cTn id="6" dur="1" fill="hold">
+                                          <p:stCondLst>
+                                            <p:cond delay="0"/>
+                                          </p:stCondLst>
+                                        </p:cTn>
+                                        <p:tgtEl>
+                                          <p:spTgt spid="11"/>
+                                        </p:tgtEl>
+                                        <p:attrNameLst>
+                                          <p:attrName>style.visibility</p:attrName>
+                                        </p:attrNameLst>
+                                      </p:cBhvr>
+                                      <p:to>
+                                        <p:strVal val="visible"/>
+                                      </p:to>
+                                    </p:set>
+                                    <p:anim calcmode="lin" valueType="num">
+                                      <p:cBhvr additive="base">
+                                        <p:cTn id="7" dur="500" fill="hold"/>
+                                        <p:tgtEl>
+                                          <p:spTgt spid="11"/>
+                                        </p:tgtEl>
+                                        <p:attrNameLst>
+                                          <p:attrName>ppt_x</p:attrName>
+                                        </p:attrNameLst>
+                                      </p:cBhvr>
+                                      <p:tavLst>
+                                        <p:tav tm="0">
+                                          <p:val>
+                                            <p:strVal val="#ppt_x"/>
+                                          </p:val>
+                                        </p:tav>
+                                        <p:tav tm="100000">
+                                          <p:val>
+                                            <p:strVal val="#ppt_x"/>
+                                          </p:val>
+                                        </p:tav>
+                                      </p:tavLst>
+                                    </p:anim>
+                                    <p:anim calcmode="lin" valueType="num">
+                                      <p:cBhvr additive="base">
+                                        <p:cTn id="8" dur="500" fill="hold"/>
+                                        <p:tgtEl>
+                                          <p:spTgt spid="11"/>
+                                        </p:tgtEl>
+                                        <p:attrNameLst>
+                                          <p:attrName>ppt_y</p:attrName>
+                                        </p:attrNameLst>
+                                      </p:cBhvr>
+                                      <p:tavLst>
+                                        <p:tav tm="0">
+                                          <p:val>
+                                            <p:strVal val="1+#ppt_h/2"/>
+                                          </p:val>
+                                        </p:tav>
+                                        <p:tav tm="100000">
+                                          <p:val>
+                                            <p:strVal val="#ppt_y"/>
+                                          </p:val>
+                                        </p:tav>
+                                      </p:tavLst>
+                                    </p:anim>
+                                  </p:childTnLst>
+                                </p:cTn>
+                              </p:par>
+                            </p:childTnLst>
+                          </p:cTn>
+                        </p:par>
+                      </p:childTnLst>
+                    </p:cTn>
+                  </p:par>
+                  <p:par>
+                    <p:cTn id="9" fill="hold">
+                      <p:stCondLst>
+                        <p:cond delay="indefinite"/>
+                      </p:stCondLst>
+                      <p:childTnLst>
+                        <p:par>
+                          <p:cTn id="10" fill="hold">
+                            <p:stCondLst>
+                              <p:cond delay="0"/>
+                            </p:stCondLst>
+                            <p:childTnLst>
+                              <p:par>
+                                <p:cTn id="11" presetID="2" presetClass="entr" presetSubtype="4" decel="100000" fill="hold" nodeType="clickEffect">
+                                  <p:stCondLst>
+                                    <p:cond delay="0"/>
+                                  </p:stCondLst>
+                                  <p:childTnLst>
+                                    <p:set>
+                                      <p:cBhvr>
+                                        <p:cTn id="12" dur="1" fill="hold">
+                                          <p:stCondLst>
+                                            <p:cond delay="0"/>
+                                          </p:stCondLst>
+                                        </p:cTn>
+                                        <p:tgtEl>
+                                          <p:spTgt spid="16"/>
+                                        </p:tgtEl>
+                                        <p:attrNameLst>
+                                          <p:attrName>style.visibility</p:attrName>
+                                        </p:attrNameLst>
+                                      </p:cBhvr>
+                                      <p:to>
+                                        <p:strVal val="visible"/>
+                                      </p:to>
+                                    </p:set>
+                                    <p:anim calcmode="lin" valueType="num">
+                                      <p:cBhvr additive="base">
+                                        <p:cTn id="13" dur="500" fill="hold"/>
+                                        <p:tgtEl>
+                                          <p:spTgt spid="16"/>
+                                        </p:tgtEl>
+                                        <p:attrNameLst>
+                                          <p:attrName>ppt_x</p:attrName>
+                                        </p:attrNameLst>
+                                      </p:cBhvr>
+                                      <p:tavLst>
+                                        <p:tav tm="0">
+                                          <p:val>
+                                            <p:strVal val="#ppt_x"/>
+                                          </p:val>
+                                        </p:tav>
+                                        <p:tav tm="100000">
+                                          <p:val>
+                                            <p:strVal val="#ppt_x"/>
+                                          </p:val>
+                                        </p:tav>
+                                      </p:tavLst>
+                                    </p:anim>
+                                    <p:anim calcmode="lin" valueType="num">
+                                      <p:cBhvr additive="base">
+                                        <p:cTn id="14" dur="500" fill="hold"/>
+                                        <p:tgtEl>
+                                          <p:spTgt spid="16"/>
+                                        </p:tgtEl>
+                                        <p:attrNameLst>
+                                          <p:attrName>ppt_y</p:attrName>
+                                        </p:attrNameLst>
+                                      </p:cBhvr>
+                                      <p:tavLst>
+                                        <p:tav tm="0">
+                                          <p:val>
+                                            <p:strVal val="1+#ppt_h/2"/>
+                                          </p:val>
+                                        </p:tav>
+                                        <p:tav tm="100000">
+                                          <p:val>
+                                            <p:strVal val="#ppt_y"/>
+                                          </p:val>
+                                        </p:tav>
+                                      </p:tavLst>
+                                    </p:anim>
+                                  </p:childTnLst>
+                                </p:cTn>
+                              </p:par>
+                            </p:childTnLst>
+                          </p:cTn>
+                        </p:par>
+                      </p:childTnLst>
+                    </p:cTn>
+                  </p:par>
+                </p:childTnLst>
+              </p:cTn>
+              <p:prevCondLst>
+                <p:cond evt="onPrev" delay="0">
+                  <p:tgtEl>
+                    <p:sldTgt/>
+                  </p:tgtEl>
+                </p:cond>
+              </p:prevCondLst>
+              <p:nextCondLst>
+                <p:cond evt="onNext" delay="0">
+                  <p:tgtEl>
+                    <p:sldTgt/>
+                  </p:tgtEl>
+                </p:cond>
+              </p:nextCondLst>
+            </p:seq>
+          </p:childTnLst>
+        </p:cTn>
+      </p:par>
+    </p:tnLst>
+  </p:timing>
+</p:sld>
+</file>
+
+<file path=ppt/slides/slide5.xml><?xml version="1.0" encoding="utf-8"?>
+<p:sld xmlns:a="http://schemas.openxmlformats.org/drawingml/2006/main" xmlns:r="http://schemas.openxmlformats.org/officeDocument/2006/relationships" xmlns:p="http://schemas.openxmlformats.org/presentationml/2006/main">
+  <p:cSld>
+    <p:spTree>
+      <p:nvGrpSpPr>
+        <p:cNvPr id="1" name=""/>
+        <p:cNvGrpSpPr/>
+        <p:nvPr/>
+      </p:nvGrpSpPr>
+      <p:grpSpPr>
+        <a:xfrm>
+          <a:off x="0" y="0"/>
+          <a:ext cx="0" cy="0"/>
+          <a:chOff x="0" y="0"/>
+          <a:chExt cx="0" cy="0"/>
+        </a:xfrm>
+      </p:grpSpPr>
+      <p:pic>
+        <p:nvPicPr>
+          <p:cNvPr id="8" name="Рисунок 7"/>
+          <p:cNvPicPr>
+            <a:picLocks noChangeAspect="1"/>
+          </p:cNvPicPr>
+          <p:nvPr/>
+        </p:nvPicPr>
+        <p:blipFill>
+          <a:blip r:embed="rId2">
+            <a:extLst>
+              <a:ext uri="{28A0092B-C50C-407E-A947-70E740481C1C}">
+                <a14:useLocalDpi xmlns:a14="http://schemas.microsoft.com/office/drawing/2010/main" val="0"/>
+              </a:ext>
+            </a:extLst>
+          </a:blip>
+          <a:stretch>
+            <a:fillRect/>
+          </a:stretch>
+        </p:blipFill>
+        <p:spPr>
+          <a:xfrm>
+            <a:off x="286902" y="279859"/>
+            <a:ext cx="6456798" cy="6298282"/>
+          </a:xfrm>
+          <a:prstGeom prst="rect">
+            <a:avLst/>
+          </a:prstGeom>
+        </p:spPr>
+      </p:pic>
+      <p:sp>
+        <p:nvSpPr>
+          <p:cNvPr id="11" name="TextBox 10"/>
+          <p:cNvSpPr txBox="1"/>
+          <p:nvPr/>
+        </p:nvSpPr>
+        <p:spPr>
+          <a:xfrm>
+            <a:off x="7486649" y="98867"/>
+            <a:ext cx="4514851" cy="923330"/>
+          </a:xfrm>
+          <a:prstGeom prst="rect">
+            <a:avLst/>
+          </a:prstGeom>
+          <a:noFill/>
+        </p:spPr>
+        <p:txBody>
+          <a:bodyPr wrap="square" rtlCol="0">
+            <a:spAutoFit/>
+          </a:bodyPr>
+          <a:lstStyle/>
+          <a:p>
+            <a:pPr algn="r"/>
+            <a:r>
+              <a:rPr lang="ru-RU" sz="5400" dirty="0" smtClean="0">
+                <a:solidFill>
+                  <a:srgbClr val="000000"/>
+                </a:solidFill>
+                <a:latin typeface="Russo One" panose="02000503050000020004" pitchFamily="2" charset="0"/>
+                <a:ea typeface="Jura" pitchFamily="2" charset="0"/>
+              </a:rPr>
+              <a:t>Реализация</a:t>
+            </a:r>
+          </a:p>
+        </p:txBody>
+      </p:sp>
+    </p:spTree>
+    <p:extLst>
+      <p:ext uri="{BB962C8B-B14F-4D97-AF65-F5344CB8AC3E}">
+        <p14:creationId xmlns:p14="http://schemas.microsoft.com/office/powerpoint/2010/main" val="1880586040"/>
+      </p:ext>
+    </p:extLst>
+  </p:cSld>
+  <p:clrMapOvr>
+    <a:masterClrMapping/>
+  </p:clrMapOvr>
+  <p:timing>
+    <p:tnLst>
+      <p:par>
+        <p:cTn id="1" dur="indefinite" restart="never" nodeType="tmRoot"/>
+      </p:par>
+    </p:tnLst>
+  </p:timing>
+</p:sld>
+</file>
+
+<file path=ppt/slides/slide6.xml><?xml version="1.0" encoding="utf-8"?>
+<p:sld xmlns:a="http://schemas.openxmlformats.org/drawingml/2006/main" xmlns:r="http://schemas.openxmlformats.org/officeDocument/2006/relationships" xmlns:p="http://schemas.openxmlformats.org/presentationml/2006/main">
+  <p:cSld>
+    <p:spTree>
+      <p:nvGrpSpPr>
+        <p:cNvPr id="1" name=""/>
+        <p:cNvGrpSpPr/>
+        <p:nvPr/>
+      </p:nvGrpSpPr>
+      <p:grpSpPr>
+        <a:xfrm>
+          <a:off x="0" y="0"/>
+          <a:ext cx="0" cy="0"/>
+          <a:chOff x="0" y="0"/>
+          <a:chExt cx="0" cy="0"/>
+        </a:xfrm>
+      </p:grpSpPr>
+      <p:pic>
+        <p:nvPicPr>
+          <p:cNvPr id="5" name="Рисунок 4"/>
+          <p:cNvPicPr>
+            <a:picLocks noChangeAspect="1"/>
+          </p:cNvPicPr>
+          <p:nvPr/>
+        </p:nvPicPr>
+        <p:blipFill>
+          <a:blip r:embed="rId2">
+            <a:extLst>
+              <a:ext uri="{28A0092B-C50C-407E-A947-70E740481C1C}">
+                <a14:useLocalDpi xmlns:a14="http://schemas.microsoft.com/office/drawing/2010/main" val="0"/>
+              </a:ext>
+            </a:extLst>
+          </a:blip>
+          <a:stretch>
+            <a:fillRect/>
+          </a:stretch>
+        </p:blipFill>
+        <p:spPr>
+          <a:xfrm>
+            <a:off x="296427" y="1038791"/>
+            <a:ext cx="5564575" cy="2491916"/>
+          </a:xfrm>
+          <a:prstGeom prst="rect">
+            <a:avLst/>
+          </a:prstGeom>
+        </p:spPr>
+      </p:pic>
+      <p:sp>
+        <p:nvSpPr>
+          <p:cNvPr id="6" name="TextBox 5"/>
+          <p:cNvSpPr txBox="1"/>
+          <p:nvPr/>
+        </p:nvSpPr>
+        <p:spPr>
+          <a:xfrm>
+            <a:off x="7486649" y="98867"/>
+            <a:ext cx="4514851" cy="923330"/>
+          </a:xfrm>
+          <a:prstGeom prst="rect">
+            <a:avLst/>
+          </a:prstGeom>
+          <a:noFill/>
+        </p:spPr>
+        <p:txBody>
+          <a:bodyPr wrap="square" rtlCol="0">
+            <a:spAutoFit/>
+          </a:bodyPr>
+          <a:lstStyle/>
+          <a:p>
+            <a:pPr algn="r"/>
+            <a:r>
+              <a:rPr lang="ru-RU" sz="5400" dirty="0" smtClean="0">
+                <a:solidFill>
+                  <a:srgbClr val="000000"/>
+                </a:solidFill>
+                <a:latin typeface="Russo One" panose="02000503050000020004" pitchFamily="2" charset="0"/>
+                <a:ea typeface="Jura" pitchFamily="2" charset="0"/>
+              </a:rPr>
+              <a:t>Реализация</a:t>
+            </a:r>
+          </a:p>
+        </p:txBody>
+      </p:sp>
+      <p:pic>
+        <p:nvPicPr>
+          <p:cNvPr id="7" name="Рисунок 6"/>
+          <p:cNvPicPr>
+            <a:picLocks noChangeAspect="1"/>
+          </p:cNvPicPr>
+          <p:nvPr/>
+        </p:nvPicPr>
+        <p:blipFill>
+          <a:blip r:embed="rId3">
+            <a:extLst>
+              <a:ext uri="{28A0092B-C50C-407E-A947-70E740481C1C}">
+                <a14:useLocalDpi xmlns:a14="http://schemas.microsoft.com/office/drawing/2010/main" val="0"/>
+              </a:ext>
+            </a:extLst>
+          </a:blip>
+          <a:stretch>
+            <a:fillRect/>
+          </a:stretch>
+        </p:blipFill>
+        <p:spPr>
+          <a:xfrm>
+            <a:off x="2010785" y="3680283"/>
+            <a:ext cx="3850218" cy="1606091"/>
+          </a:xfrm>
+          <a:prstGeom prst="rect">
+            <a:avLst/>
+          </a:prstGeom>
+        </p:spPr>
+      </p:pic>
+      <p:pic>
+        <p:nvPicPr>
+          <p:cNvPr id="8" name="Рисунок 7"/>
+          <p:cNvPicPr>
+            <a:picLocks noChangeAspect="1"/>
+          </p:cNvPicPr>
+          <p:nvPr/>
+        </p:nvPicPr>
+        <p:blipFill>
+          <a:blip r:embed="rId4">
+            <a:extLst>
+              <a:ext uri="{28A0092B-C50C-407E-A947-70E740481C1C}">
+                <a14:useLocalDpi xmlns:a14="http://schemas.microsoft.com/office/drawing/2010/main" val="0"/>
+              </a:ext>
+            </a:extLst>
+          </a:blip>
+          <a:stretch>
+            <a:fillRect/>
+          </a:stretch>
+        </p:blipFill>
+        <p:spPr>
+          <a:xfrm>
+            <a:off x="6000750" y="1038791"/>
+            <a:ext cx="5981700" cy="5555144"/>
+          </a:xfrm>
+          <a:prstGeom prst="rect">
+            <a:avLst/>
+          </a:prstGeom>
+        </p:spPr>
+      </p:pic>
+    </p:spTree>
+    <p:extLst>
+      <p:ext uri="{BB962C8B-B14F-4D97-AF65-F5344CB8AC3E}">
+        <p14:creationId xmlns:p14="http://schemas.microsoft.com/office/powerpoint/2010/main" val="689691856"/>
+      </p:ext>
+    </p:extLst>
+  </p:cSld>
+  <p:clrMapOvr>
+    <a:masterClrMapping/>
+  </p:clrMapOvr>
+  <p:timing>
+    <p:tnLst>
+      <p:par>
+        <p:cTn id="1" dur="indefinite" restart="never" nodeType="tmRoot"/>
+      </p:par>
+    </p:tnLst>
+  </p:timing>
+</p:sld>
+</file>
+
 <file path=ppt/theme/theme1.xml><?xml version="1.0" encoding="utf-8"?>
 <a:theme xmlns:a="http://schemas.openxmlformats.org/drawingml/2006/main" name="Тема Office">
   <a:themeElements>

--- a/Презентация.pptx
+++ b/Презентация.pptx
@@ -11,6 +11,7 @@
     <p:sldId id="259" r:id="rId5"/>
     <p:sldId id="260" r:id="rId6"/>
     <p:sldId id="261" r:id="rId7"/>
+    <p:sldId id="262" r:id="rId8"/>
   </p:sldIdLst>
   <p:sldSz cx="12192000" cy="6858000"/>
   <p:notesSz cx="6858000" cy="9144000"/>
@@ -109,6 +110,11 @@
       </a:defRPr>
     </a:lvl9pPr>
   </p:defaultTextStyle>
+  <p:extLst>
+    <p:ext uri="{EFAFB233-063F-42B5-8137-9DF3F51BA10A}">
+      <p15:sldGuideLst xmlns:p15="http://schemas.microsoft.com/office/powerpoint/2012/main"/>
+    </p:ext>
+  </p:extLst>
 </p:presentation>
 </file>
 
@@ -243,7 +249,7 @@
           <a:p>
             <a:fld id="{4DA4C623-D54A-4B7F-BC01-1964554D5556}" type="datetimeFigureOut">
               <a:rPr lang="ru-RU" smtClean="0"/>
-              <a:t>19.01.2021</a:t>
+              <a:t>20.01.2021</a:t>
             </a:fld>
             <a:endParaRPr lang="ru-RU"/>
           </a:p>
@@ -413,7 +419,7 @@
           <a:p>
             <a:fld id="{4DA4C623-D54A-4B7F-BC01-1964554D5556}" type="datetimeFigureOut">
               <a:rPr lang="ru-RU" smtClean="0"/>
-              <a:t>19.01.2021</a:t>
+              <a:t>20.01.2021</a:t>
             </a:fld>
             <a:endParaRPr lang="ru-RU"/>
           </a:p>
@@ -593,7 +599,7 @@
           <a:p>
             <a:fld id="{4DA4C623-D54A-4B7F-BC01-1964554D5556}" type="datetimeFigureOut">
               <a:rPr lang="ru-RU" smtClean="0"/>
-              <a:t>19.01.2021</a:t>
+              <a:t>20.01.2021</a:t>
             </a:fld>
             <a:endParaRPr lang="ru-RU"/>
           </a:p>
@@ -763,7 +769,7 @@
           <a:p>
             <a:fld id="{4DA4C623-D54A-4B7F-BC01-1964554D5556}" type="datetimeFigureOut">
               <a:rPr lang="ru-RU" smtClean="0"/>
-              <a:t>19.01.2021</a:t>
+              <a:t>20.01.2021</a:t>
             </a:fld>
             <a:endParaRPr lang="ru-RU"/>
           </a:p>
@@ -1009,7 +1015,7 @@
           <a:p>
             <a:fld id="{4DA4C623-D54A-4B7F-BC01-1964554D5556}" type="datetimeFigureOut">
               <a:rPr lang="ru-RU" smtClean="0"/>
-              <a:t>19.01.2021</a:t>
+              <a:t>20.01.2021</a:t>
             </a:fld>
             <a:endParaRPr lang="ru-RU"/>
           </a:p>
@@ -1241,7 +1247,7 @@
           <a:p>
             <a:fld id="{4DA4C623-D54A-4B7F-BC01-1964554D5556}" type="datetimeFigureOut">
               <a:rPr lang="ru-RU" smtClean="0"/>
-              <a:t>19.01.2021</a:t>
+              <a:t>20.01.2021</a:t>
             </a:fld>
             <a:endParaRPr lang="ru-RU"/>
           </a:p>
@@ -1608,7 +1614,7 @@
           <a:p>
             <a:fld id="{4DA4C623-D54A-4B7F-BC01-1964554D5556}" type="datetimeFigureOut">
               <a:rPr lang="ru-RU" smtClean="0"/>
-              <a:t>19.01.2021</a:t>
+              <a:t>20.01.2021</a:t>
             </a:fld>
             <a:endParaRPr lang="ru-RU"/>
           </a:p>
@@ -1726,7 +1732,7 @@
           <a:p>
             <a:fld id="{4DA4C623-D54A-4B7F-BC01-1964554D5556}" type="datetimeFigureOut">
               <a:rPr lang="ru-RU" smtClean="0"/>
-              <a:t>19.01.2021</a:t>
+              <a:t>20.01.2021</a:t>
             </a:fld>
             <a:endParaRPr lang="ru-RU"/>
           </a:p>
@@ -1821,7 +1827,7 @@
           <a:p>
             <a:fld id="{4DA4C623-D54A-4B7F-BC01-1964554D5556}" type="datetimeFigureOut">
               <a:rPr lang="ru-RU" smtClean="0"/>
-              <a:t>19.01.2021</a:t>
+              <a:t>20.01.2021</a:t>
             </a:fld>
             <a:endParaRPr lang="ru-RU"/>
           </a:p>
@@ -2098,7 +2104,7 @@
           <a:p>
             <a:fld id="{4DA4C623-D54A-4B7F-BC01-1964554D5556}" type="datetimeFigureOut">
               <a:rPr lang="ru-RU" smtClean="0"/>
-              <a:t>19.01.2021</a:t>
+              <a:t>20.01.2021</a:t>
             </a:fld>
             <a:endParaRPr lang="ru-RU"/>
           </a:p>
@@ -2351,7 +2357,7 @@
           <a:p>
             <a:fld id="{4DA4C623-D54A-4B7F-BC01-1964554D5556}" type="datetimeFigureOut">
               <a:rPr lang="ru-RU" smtClean="0"/>
-              <a:t>19.01.2021</a:t>
+              <a:t>20.01.2021</a:t>
             </a:fld>
             <a:endParaRPr lang="ru-RU"/>
           </a:p>
@@ -2567,7 +2573,7 @@
           <a:p>
             <a:fld id="{4DA4C623-D54A-4B7F-BC01-1964554D5556}" type="datetimeFigureOut">
               <a:rPr lang="ru-RU" smtClean="0"/>
-              <a:t>19.01.2021</a:t>
+              <a:t>20.01.2021</a:t>
             </a:fld>
             <a:endParaRPr lang="ru-RU"/>
           </a:p>
@@ -3230,7 +3236,7 @@
         <p:spPr>
           <a:xfrm>
             <a:off x="5467350" y="2012870"/>
-            <a:ext cx="676276" cy="769441"/>
+            <a:ext cx="1010568" cy="769441"/>
           </a:xfrm>
           <a:prstGeom prst="rect">
             <a:avLst/>
@@ -3257,12 +3263,22 @@
             <a:r>
               <a:rPr lang="en-US" sz="4400" dirty="0" smtClean="0">
                 <a:solidFill>
+                  <a:schemeClr val="bg1"/>
+                </a:solidFill>
+                <a:latin typeface="Russo One" panose="02000503050000020004" pitchFamily="2" charset="0"/>
+                <a:ea typeface="Jura" pitchFamily="2" charset="0"/>
+              </a:rPr>
+              <a:t>.</a:t>
+            </a:r>
+            <a:r>
+              <a:rPr lang="ru-RU" sz="4400" dirty="0" smtClean="0">
+                <a:solidFill>
                   <a:srgbClr val="00B050"/>
                 </a:solidFill>
                 <a:latin typeface="Russo One" panose="02000503050000020004" pitchFamily="2" charset="0"/>
                 <a:ea typeface="Jura" pitchFamily="2" charset="0"/>
               </a:rPr>
-              <a:t>.</a:t>
+              <a:t>5</a:t>
             </a:r>
             <a:endParaRPr lang="ru-RU" sz="4400" dirty="0" smtClean="0">
               <a:solidFill>
@@ -3305,6 +3321,62 @@
       </p:pic>
       <p:sp>
         <p:nvSpPr>
+          <p:cNvPr id="7" name="TextBox 6"/>
+          <p:cNvSpPr txBox="1"/>
+          <p:nvPr/>
+        </p:nvSpPr>
+        <p:spPr>
+          <a:xfrm>
+            <a:off x="5448300" y="2012871"/>
+            <a:ext cx="2076450" cy="769441"/>
+          </a:xfrm>
+          <a:prstGeom prst="rect">
+            <a:avLst/>
+          </a:prstGeom>
+          <a:noFill/>
+        </p:spPr>
+        <p:txBody>
+          <a:bodyPr wrap="square" rtlCol="0">
+            <a:spAutoFit/>
+          </a:bodyPr>
+          <a:lstStyle/>
+          <a:p>
+            <a:pPr algn="ctr"/>
+            <a:r>
+              <a:rPr lang="en-US" sz="4400" dirty="0" smtClean="0">
+                <a:solidFill>
+                  <a:srgbClr val="6699FF"/>
+                </a:solidFill>
+                <a:latin typeface="Russo One" panose="02000503050000020004" pitchFamily="2" charset="0"/>
+                <a:ea typeface="Jura" pitchFamily="2" charset="0"/>
+              </a:rPr>
+              <a:t>D</a:t>
+            </a:r>
+            <a:r>
+              <a:rPr lang="en-US" sz="4400" dirty="0" smtClean="0">
+                <a:solidFill>
+                  <a:schemeClr val="bg1"/>
+                </a:solidFill>
+                <a:latin typeface="Russo One" panose="02000503050000020004" pitchFamily="2" charset="0"/>
+                <a:ea typeface="Jura" pitchFamily="2" charset="0"/>
+              </a:rPr>
+              <a:t> </a:t>
+            </a:r>
+            <a:r>
+              <a:rPr lang="ru-RU" sz="4400" dirty="0" smtClean="0">
+                <a:solidFill>
+                  <a:schemeClr val="bg1"/>
+                </a:solidFill>
+                <a:latin typeface="Russo One" panose="02000503050000020004" pitchFamily="2" charset="0"/>
+                <a:ea typeface="Jura" pitchFamily="2" charset="0"/>
+              </a:rPr>
+              <a:t>игра</a:t>
+            </a:r>
+          </a:p>
+        </p:txBody>
+      </p:sp>
+      <p:sp>
+        <p:nvSpPr>
           <p:cNvPr id="6" name="TextBox 5"/>
           <p:cNvSpPr txBox="1"/>
           <p:nvPr/>
@@ -3335,62 +3407,6 @@
                 <a:ea typeface="Jura" pitchFamily="2" charset="0"/>
               </a:rPr>
               <a:t>Идея</a:t>
-            </a:r>
-          </a:p>
-        </p:txBody>
-      </p:sp>
-      <p:sp>
-        <p:nvSpPr>
-          <p:cNvPr id="7" name="TextBox 6"/>
-          <p:cNvSpPr txBox="1"/>
-          <p:nvPr/>
-        </p:nvSpPr>
-        <p:spPr>
-          <a:xfrm>
-            <a:off x="5448300" y="2012871"/>
-            <a:ext cx="2076450" cy="769441"/>
-          </a:xfrm>
-          <a:prstGeom prst="rect">
-            <a:avLst/>
-          </a:prstGeom>
-          <a:noFill/>
-        </p:spPr>
-        <p:txBody>
-          <a:bodyPr wrap="square" rtlCol="0">
-            <a:spAutoFit/>
-          </a:bodyPr>
-          <a:lstStyle/>
-          <a:p>
-            <a:pPr algn="ctr"/>
-            <a:r>
-              <a:rPr lang="en-US" sz="4400" dirty="0" smtClean="0">
-                <a:solidFill>
-                  <a:srgbClr val="6699FF"/>
-                </a:solidFill>
-                <a:latin typeface="Russo One" panose="02000503050000020004" pitchFamily="2" charset="0"/>
-                <a:ea typeface="Jura" pitchFamily="2" charset="0"/>
-              </a:rPr>
-              <a:t>D</a:t>
-            </a:r>
-            <a:r>
-              <a:rPr lang="en-US" sz="4400" dirty="0" smtClean="0">
-                <a:solidFill>
-                  <a:schemeClr val="bg1"/>
-                </a:solidFill>
-                <a:latin typeface="Russo One" panose="02000503050000020004" pitchFamily="2" charset="0"/>
-                <a:ea typeface="Jura" pitchFamily="2" charset="0"/>
-              </a:rPr>
-              <a:t> </a:t>
-            </a:r>
-            <a:r>
-              <a:rPr lang="ru-RU" sz="4400" dirty="0" smtClean="0">
-                <a:solidFill>
-                  <a:schemeClr val="bg1"/>
-                </a:solidFill>
-                <a:latin typeface="Russo One" panose="02000503050000020004" pitchFamily="2" charset="0"/>
-                <a:ea typeface="Jura" pitchFamily="2" charset="0"/>
-              </a:rPr>
-              <a:t>игра</a:t>
             </a:r>
           </a:p>
         </p:txBody>
@@ -3967,7 +3983,7 @@
                                     <p:cond delay="0"/>
                                   </p:stCondLst>
                                   <p:childTnLst>
-                                    <p:animMotion origin="layout" path="M -0.00312 2.96296E-6 L -0.03906 2.96296E-6 " pathEditMode="relative" rAng="0" ptsTypes="AA">
+                                    <p:animMotion origin="layout" path="M -0.00182 2.96296E-6 L -0.06901 2.96296E-6 " pathEditMode="relative" rAng="0" ptsTypes="AA">
                                       <p:cBhvr>
                                         <p:cTn id="9" dur="150" fill="hold"/>
                                         <p:tgtEl>
@@ -3978,7 +3994,7 @@
                                           <p:attrName>ppt_y</p:attrName>
                                         </p:attrNameLst>
                                       </p:cBhvr>
-                                      <p:rCtr x="-1797" y="0"/>
+                                      <p:rCtr x="-3359" y="0"/>
                                     </p:animMotion>
                                   </p:childTnLst>
                                 </p:cTn>
@@ -5148,6 +5164,659 @@
 </p:sld>
 </file>
 
+<file path=ppt/slides/slide7.xml><?xml version="1.0" encoding="utf-8"?>
+<p:sld xmlns:a="http://schemas.openxmlformats.org/drawingml/2006/main" xmlns:r="http://schemas.openxmlformats.org/officeDocument/2006/relationships" xmlns:p="http://schemas.openxmlformats.org/presentationml/2006/main">
+  <p:cSld>
+    <p:spTree>
+      <p:nvGrpSpPr>
+        <p:cNvPr id="1" name=""/>
+        <p:cNvGrpSpPr/>
+        <p:nvPr/>
+      </p:nvGrpSpPr>
+      <p:grpSpPr>
+        <a:xfrm>
+          <a:off x="0" y="0"/>
+          <a:ext cx="0" cy="0"/>
+          <a:chOff x="0" y="0"/>
+          <a:chExt cx="0" cy="0"/>
+        </a:xfrm>
+      </p:grpSpPr>
+      <p:sp>
+        <p:nvSpPr>
+          <p:cNvPr id="4" name="TextBox 3"/>
+          <p:cNvSpPr txBox="1"/>
+          <p:nvPr/>
+        </p:nvSpPr>
+        <p:spPr>
+          <a:xfrm>
+            <a:off x="0" y="98867"/>
+            <a:ext cx="12191999" cy="923330"/>
+          </a:xfrm>
+          <a:prstGeom prst="rect">
+            <a:avLst/>
+          </a:prstGeom>
+          <a:noFill/>
+        </p:spPr>
+        <p:txBody>
+          <a:bodyPr wrap="square" rtlCol="0">
+            <a:spAutoFit/>
+          </a:bodyPr>
+          <a:lstStyle/>
+          <a:p>
+            <a:pPr algn="ctr"/>
+            <a:r>
+              <a:rPr lang="ru-RU" sz="5400" dirty="0" smtClean="0">
+                <a:solidFill>
+                  <a:srgbClr val="000000"/>
+                </a:solidFill>
+                <a:latin typeface="Russo One" panose="02000503050000020004" pitchFamily="2" charset="0"/>
+                <a:ea typeface="Jura" pitchFamily="2" charset="0"/>
+              </a:rPr>
+              <a:t>Возможные доработки</a:t>
+            </a:r>
+            <a:endParaRPr lang="ru-RU" sz="5400" dirty="0" smtClean="0">
+              <a:solidFill>
+                <a:srgbClr val="000000"/>
+              </a:solidFill>
+              <a:latin typeface="Russo One" panose="02000503050000020004" pitchFamily="2" charset="0"/>
+              <a:ea typeface="Jura" pitchFamily="2" charset="0"/>
+            </a:endParaRPr>
+          </a:p>
+        </p:txBody>
+      </p:sp>
+      <p:sp>
+        <p:nvSpPr>
+          <p:cNvPr id="5" name="TextBox 4"/>
+          <p:cNvSpPr txBox="1"/>
+          <p:nvPr/>
+        </p:nvSpPr>
+        <p:spPr>
+          <a:xfrm>
+            <a:off x="760164" y="1297869"/>
+            <a:ext cx="11431836" cy="2800767"/>
+          </a:xfrm>
+          <a:prstGeom prst="rect">
+            <a:avLst/>
+          </a:prstGeom>
+          <a:noFill/>
+        </p:spPr>
+        <p:txBody>
+          <a:bodyPr wrap="square" rtlCol="0">
+            <a:spAutoFit/>
+          </a:bodyPr>
+          <a:lstStyle/>
+          <a:p>
+            <a:pPr marL="742950" indent="-742950">
+              <a:buFont typeface="+mj-lt"/>
+              <a:buAutoNum type="arabicPeriod"/>
+            </a:pPr>
+            <a:r>
+              <a:rPr lang="ru-RU" sz="4400" dirty="0" smtClean="0">
+                <a:solidFill>
+                  <a:srgbClr val="09173F"/>
+                </a:solidFill>
+                <a:latin typeface="Russo One" panose="02000503050000020004" pitchFamily="2" charset="0"/>
+                <a:ea typeface="Jura" pitchFamily="2" charset="0"/>
+              </a:rPr>
+              <a:t>Процедурная генерация уровней</a:t>
+            </a:r>
+          </a:p>
+          <a:p>
+            <a:pPr marL="742950" indent="-742950">
+              <a:buFont typeface="+mj-lt"/>
+              <a:buAutoNum type="arabicPeriod"/>
+            </a:pPr>
+            <a:r>
+              <a:rPr lang="ru-RU" sz="4400" dirty="0" smtClean="0">
+                <a:solidFill>
+                  <a:srgbClr val="09173F"/>
+                </a:solidFill>
+                <a:latin typeface="Russo One" panose="02000503050000020004" pitchFamily="2" charset="0"/>
+                <a:ea typeface="Jura" pitchFamily="2" charset="0"/>
+              </a:rPr>
+              <a:t>Рейтинговая таблица</a:t>
+            </a:r>
+          </a:p>
+          <a:p>
+            <a:pPr marL="742950" indent="-742950">
+              <a:buFont typeface="+mj-lt"/>
+              <a:buAutoNum type="arabicPeriod"/>
+            </a:pPr>
+            <a:r>
+              <a:rPr lang="ru-RU" sz="4400" dirty="0" smtClean="0">
+                <a:solidFill>
+                  <a:srgbClr val="09173F"/>
+                </a:solidFill>
+                <a:latin typeface="Russo One" panose="02000503050000020004" pitchFamily="2" charset="0"/>
+                <a:ea typeface="Jura" pitchFamily="2" charset="0"/>
+              </a:rPr>
+              <a:t>Новые враги</a:t>
+            </a:r>
+          </a:p>
+          <a:p>
+            <a:pPr marL="742950" indent="-742950">
+              <a:buFont typeface="+mj-lt"/>
+              <a:buAutoNum type="arabicPeriod"/>
+            </a:pPr>
+            <a:r>
+              <a:rPr lang="ru-RU" sz="4400" dirty="0" smtClean="0">
+                <a:solidFill>
+                  <a:srgbClr val="09173F"/>
+                </a:solidFill>
+                <a:latin typeface="Russo One" panose="02000503050000020004" pitchFamily="2" charset="0"/>
+                <a:ea typeface="Jura" pitchFamily="2" charset="0"/>
+              </a:rPr>
+              <a:t>Дополнительные настройки</a:t>
+            </a:r>
+          </a:p>
+        </p:txBody>
+      </p:sp>
+    </p:spTree>
+    <p:extLst>
+      <p:ext uri="{BB962C8B-B14F-4D97-AF65-F5344CB8AC3E}">
+        <p14:creationId xmlns:p14="http://schemas.microsoft.com/office/powerpoint/2010/main" val="2142067321"/>
+      </p:ext>
+    </p:extLst>
+  </p:cSld>
+  <p:clrMapOvr>
+    <a:masterClrMapping/>
+  </p:clrMapOvr>
+  <p:timing>
+    <p:tnLst>
+      <p:par>
+        <p:cTn id="1" dur="indefinite" restart="never" nodeType="tmRoot">
+          <p:childTnLst>
+            <p:seq concurrent="1" nextAc="seek">
+              <p:cTn id="2" dur="indefinite" nodeType="mainSeq">
+                <p:childTnLst>
+                  <p:par>
+                    <p:cTn id="3" fill="hold">
+                      <p:stCondLst>
+                        <p:cond delay="indefinite"/>
+                      </p:stCondLst>
+                      <p:childTnLst>
+                        <p:par>
+                          <p:cTn id="4" fill="hold">
+                            <p:stCondLst>
+                              <p:cond delay="0"/>
+                            </p:stCondLst>
+                            <p:childTnLst>
+                              <p:par>
+                                <p:cTn id="5" presetID="42" presetClass="entr" presetSubtype="0" fill="hold" grpId="0" nodeType="clickEffect">
+                                  <p:stCondLst>
+                                    <p:cond delay="0"/>
+                                  </p:stCondLst>
+                                  <p:childTnLst>
+                                    <p:set>
+                                      <p:cBhvr>
+                                        <p:cTn id="6" dur="1" fill="hold">
+                                          <p:stCondLst>
+                                            <p:cond delay="0"/>
+                                          </p:stCondLst>
+                                        </p:cTn>
+                                        <p:tgtEl>
+                                          <p:spTgt spid="5">
+                                            <p:txEl>
+                                              <p:pRg st="0" end="0"/>
+                                            </p:txEl>
+                                          </p:spTgt>
+                                        </p:tgtEl>
+                                        <p:attrNameLst>
+                                          <p:attrName>style.visibility</p:attrName>
+                                        </p:attrNameLst>
+                                      </p:cBhvr>
+                                      <p:to>
+                                        <p:strVal val="visible"/>
+                                      </p:to>
+                                    </p:set>
+                                    <p:animEffect transition="in" filter="fade">
+                                      <p:cBhvr>
+                                        <p:cTn id="7" dur="500"/>
+                                        <p:tgtEl>
+                                          <p:spTgt spid="5">
+                                            <p:txEl>
+                                              <p:pRg st="0" end="0"/>
+                                            </p:txEl>
+                                          </p:spTgt>
+                                        </p:tgtEl>
+                                      </p:cBhvr>
+                                    </p:animEffect>
+                                    <p:anim calcmode="lin" valueType="num">
+                                      <p:cBhvr>
+                                        <p:cTn id="8" dur="500" fill="hold"/>
+                                        <p:tgtEl>
+                                          <p:spTgt spid="5">
+                                            <p:txEl>
+                                              <p:pRg st="0" end="0"/>
+                                            </p:txEl>
+                                          </p:spTgt>
+                                        </p:tgtEl>
+                                        <p:attrNameLst>
+                                          <p:attrName>ppt_x</p:attrName>
+                                        </p:attrNameLst>
+                                      </p:cBhvr>
+                                      <p:tavLst>
+                                        <p:tav tm="0">
+                                          <p:val>
+                                            <p:strVal val="#ppt_x"/>
+                                          </p:val>
+                                        </p:tav>
+                                        <p:tav tm="100000">
+                                          <p:val>
+                                            <p:strVal val="#ppt_x"/>
+                                          </p:val>
+                                        </p:tav>
+                                      </p:tavLst>
+                                    </p:anim>
+                                    <p:anim calcmode="lin" valueType="num">
+                                      <p:cBhvr>
+                                        <p:cTn id="9" dur="500" fill="hold"/>
+                                        <p:tgtEl>
+                                          <p:spTgt spid="5">
+                                            <p:txEl>
+                                              <p:pRg st="0" end="0"/>
+                                            </p:txEl>
+                                          </p:spTgt>
+                                        </p:tgtEl>
+                                        <p:attrNameLst>
+                                          <p:attrName>ppt_y</p:attrName>
+                                        </p:attrNameLst>
+                                      </p:cBhvr>
+                                      <p:tavLst>
+                                        <p:tav tm="0">
+                                          <p:val>
+                                            <p:strVal val="#ppt_y+.1"/>
+                                          </p:val>
+                                        </p:tav>
+                                        <p:tav tm="100000">
+                                          <p:val>
+                                            <p:strVal val="#ppt_y"/>
+                                          </p:val>
+                                        </p:tav>
+                                      </p:tavLst>
+                                    </p:anim>
+                                  </p:childTnLst>
+                                </p:cTn>
+                              </p:par>
+                            </p:childTnLst>
+                          </p:cTn>
+                        </p:par>
+                      </p:childTnLst>
+                    </p:cTn>
+                  </p:par>
+                  <p:par>
+                    <p:cTn id="10" fill="hold">
+                      <p:stCondLst>
+                        <p:cond delay="indefinite"/>
+                      </p:stCondLst>
+                      <p:childTnLst>
+                        <p:par>
+                          <p:cTn id="11" fill="hold">
+                            <p:stCondLst>
+                              <p:cond delay="0"/>
+                            </p:stCondLst>
+                            <p:childTnLst>
+                              <p:par>
+                                <p:cTn id="12" presetID="42" presetClass="entr" presetSubtype="0" fill="hold" grpId="0" nodeType="clickEffect">
+                                  <p:stCondLst>
+                                    <p:cond delay="0"/>
+                                  </p:stCondLst>
+                                  <p:childTnLst>
+                                    <p:set>
+                                      <p:cBhvr>
+                                        <p:cTn id="13" dur="1" fill="hold">
+                                          <p:stCondLst>
+                                            <p:cond delay="0"/>
+                                          </p:stCondLst>
+                                        </p:cTn>
+                                        <p:tgtEl>
+                                          <p:spTgt spid="5">
+                                            <p:txEl>
+                                              <p:pRg st="1" end="1"/>
+                                            </p:txEl>
+                                          </p:spTgt>
+                                        </p:tgtEl>
+                                        <p:attrNameLst>
+                                          <p:attrName>style.visibility</p:attrName>
+                                        </p:attrNameLst>
+                                      </p:cBhvr>
+                                      <p:to>
+                                        <p:strVal val="visible"/>
+                                      </p:to>
+                                    </p:set>
+                                    <p:animEffect transition="in" filter="fade">
+                                      <p:cBhvr>
+                                        <p:cTn id="14" dur="500"/>
+                                        <p:tgtEl>
+                                          <p:spTgt spid="5">
+                                            <p:txEl>
+                                              <p:pRg st="1" end="1"/>
+                                            </p:txEl>
+                                          </p:spTgt>
+                                        </p:tgtEl>
+                                      </p:cBhvr>
+                                    </p:animEffect>
+                                    <p:anim calcmode="lin" valueType="num">
+                                      <p:cBhvr>
+                                        <p:cTn id="15" dur="500" fill="hold"/>
+                                        <p:tgtEl>
+                                          <p:spTgt spid="5">
+                                            <p:txEl>
+                                              <p:pRg st="1" end="1"/>
+                                            </p:txEl>
+                                          </p:spTgt>
+                                        </p:tgtEl>
+                                        <p:attrNameLst>
+                                          <p:attrName>ppt_x</p:attrName>
+                                        </p:attrNameLst>
+                                      </p:cBhvr>
+                                      <p:tavLst>
+                                        <p:tav tm="0">
+                                          <p:val>
+                                            <p:strVal val="#ppt_x"/>
+                                          </p:val>
+                                        </p:tav>
+                                        <p:tav tm="100000">
+                                          <p:val>
+                                            <p:strVal val="#ppt_x"/>
+                                          </p:val>
+                                        </p:tav>
+                                      </p:tavLst>
+                                    </p:anim>
+                                    <p:anim calcmode="lin" valueType="num">
+                                      <p:cBhvr>
+                                        <p:cTn id="16" dur="500" fill="hold"/>
+                                        <p:tgtEl>
+                                          <p:spTgt spid="5">
+                                            <p:txEl>
+                                              <p:pRg st="1" end="1"/>
+                                            </p:txEl>
+                                          </p:spTgt>
+                                        </p:tgtEl>
+                                        <p:attrNameLst>
+                                          <p:attrName>ppt_y</p:attrName>
+                                        </p:attrNameLst>
+                                      </p:cBhvr>
+                                      <p:tavLst>
+                                        <p:tav tm="0">
+                                          <p:val>
+                                            <p:strVal val="#ppt_y+.1"/>
+                                          </p:val>
+                                        </p:tav>
+                                        <p:tav tm="100000">
+                                          <p:val>
+                                            <p:strVal val="#ppt_y"/>
+                                          </p:val>
+                                        </p:tav>
+                                      </p:tavLst>
+                                    </p:anim>
+                                  </p:childTnLst>
+                                </p:cTn>
+                              </p:par>
+                            </p:childTnLst>
+                          </p:cTn>
+                        </p:par>
+                      </p:childTnLst>
+                    </p:cTn>
+                  </p:par>
+                  <p:par>
+                    <p:cTn id="17" fill="hold">
+                      <p:stCondLst>
+                        <p:cond delay="indefinite"/>
+                      </p:stCondLst>
+                      <p:childTnLst>
+                        <p:par>
+                          <p:cTn id="18" fill="hold">
+                            <p:stCondLst>
+                              <p:cond delay="0"/>
+                            </p:stCondLst>
+                            <p:childTnLst>
+                              <p:par>
+                                <p:cTn id="19" presetID="42" presetClass="entr" presetSubtype="0" fill="hold" grpId="0" nodeType="clickEffect">
+                                  <p:stCondLst>
+                                    <p:cond delay="0"/>
+                                  </p:stCondLst>
+                                  <p:childTnLst>
+                                    <p:set>
+                                      <p:cBhvr>
+                                        <p:cTn id="20" dur="1" fill="hold">
+                                          <p:stCondLst>
+                                            <p:cond delay="0"/>
+                                          </p:stCondLst>
+                                        </p:cTn>
+                                        <p:tgtEl>
+                                          <p:spTgt spid="5">
+                                            <p:txEl>
+                                              <p:pRg st="2" end="2"/>
+                                            </p:txEl>
+                                          </p:spTgt>
+                                        </p:tgtEl>
+                                        <p:attrNameLst>
+                                          <p:attrName>style.visibility</p:attrName>
+                                        </p:attrNameLst>
+                                      </p:cBhvr>
+                                      <p:to>
+                                        <p:strVal val="visible"/>
+                                      </p:to>
+                                    </p:set>
+                                    <p:animEffect transition="in" filter="fade">
+                                      <p:cBhvr>
+                                        <p:cTn id="21" dur="500"/>
+                                        <p:tgtEl>
+                                          <p:spTgt spid="5">
+                                            <p:txEl>
+                                              <p:pRg st="2" end="2"/>
+                                            </p:txEl>
+                                          </p:spTgt>
+                                        </p:tgtEl>
+                                      </p:cBhvr>
+                                    </p:animEffect>
+                                    <p:anim calcmode="lin" valueType="num">
+                                      <p:cBhvr>
+                                        <p:cTn id="22" dur="500" fill="hold"/>
+                                        <p:tgtEl>
+                                          <p:spTgt spid="5">
+                                            <p:txEl>
+                                              <p:pRg st="2" end="2"/>
+                                            </p:txEl>
+                                          </p:spTgt>
+                                        </p:tgtEl>
+                                        <p:attrNameLst>
+                                          <p:attrName>ppt_x</p:attrName>
+                                        </p:attrNameLst>
+                                      </p:cBhvr>
+                                      <p:tavLst>
+                                        <p:tav tm="0">
+                                          <p:val>
+                                            <p:strVal val="#ppt_x"/>
+                                          </p:val>
+                                        </p:tav>
+                                        <p:tav tm="100000">
+                                          <p:val>
+                                            <p:strVal val="#ppt_x"/>
+                                          </p:val>
+                                        </p:tav>
+                                      </p:tavLst>
+                                    </p:anim>
+                                    <p:anim calcmode="lin" valueType="num">
+                                      <p:cBhvr>
+                                        <p:cTn id="23" dur="500" fill="hold"/>
+                                        <p:tgtEl>
+                                          <p:spTgt spid="5">
+                                            <p:txEl>
+                                              <p:pRg st="2" end="2"/>
+                                            </p:txEl>
+                                          </p:spTgt>
+                                        </p:tgtEl>
+                                        <p:attrNameLst>
+                                          <p:attrName>ppt_y</p:attrName>
+                                        </p:attrNameLst>
+                                      </p:cBhvr>
+                                      <p:tavLst>
+                                        <p:tav tm="0">
+                                          <p:val>
+                                            <p:strVal val="#ppt_y+.1"/>
+                                          </p:val>
+                                        </p:tav>
+                                        <p:tav tm="100000">
+                                          <p:val>
+                                            <p:strVal val="#ppt_y"/>
+                                          </p:val>
+                                        </p:tav>
+                                      </p:tavLst>
+                                    </p:anim>
+                                  </p:childTnLst>
+                                </p:cTn>
+                              </p:par>
+                            </p:childTnLst>
+                          </p:cTn>
+                        </p:par>
+                      </p:childTnLst>
+                    </p:cTn>
+                  </p:par>
+                  <p:par>
+                    <p:cTn id="24" fill="hold">
+                      <p:stCondLst>
+                        <p:cond delay="indefinite"/>
+                      </p:stCondLst>
+                      <p:childTnLst>
+                        <p:par>
+                          <p:cTn id="25" fill="hold">
+                            <p:stCondLst>
+                              <p:cond delay="0"/>
+                            </p:stCondLst>
+                            <p:childTnLst>
+                              <p:par>
+                                <p:cTn id="26" presetID="42" presetClass="entr" presetSubtype="0" fill="hold" grpId="0" nodeType="clickEffect">
+                                  <p:stCondLst>
+                                    <p:cond delay="0"/>
+                                  </p:stCondLst>
+                                  <p:childTnLst>
+                                    <p:set>
+                                      <p:cBhvr>
+                                        <p:cTn id="27" dur="1" fill="hold">
+                                          <p:stCondLst>
+                                            <p:cond delay="0"/>
+                                          </p:stCondLst>
+                                        </p:cTn>
+                                        <p:tgtEl>
+                                          <p:spTgt spid="5">
+                                            <p:txEl>
+                                              <p:pRg st="3" end="3"/>
+                                            </p:txEl>
+                                          </p:spTgt>
+                                        </p:tgtEl>
+                                        <p:attrNameLst>
+                                          <p:attrName>style.visibility</p:attrName>
+                                        </p:attrNameLst>
+                                      </p:cBhvr>
+                                      <p:to>
+                                        <p:strVal val="visible"/>
+                                      </p:to>
+                                    </p:set>
+                                    <p:animEffect transition="in" filter="fade">
+                                      <p:cBhvr>
+                                        <p:cTn id="28" dur="500"/>
+                                        <p:tgtEl>
+                                          <p:spTgt spid="5">
+                                            <p:txEl>
+                                              <p:pRg st="3" end="3"/>
+                                            </p:txEl>
+                                          </p:spTgt>
+                                        </p:tgtEl>
+                                      </p:cBhvr>
+                                    </p:animEffect>
+                                    <p:anim calcmode="lin" valueType="num">
+                                      <p:cBhvr>
+                                        <p:cTn id="29" dur="500" fill="hold"/>
+                                        <p:tgtEl>
+                                          <p:spTgt spid="5">
+                                            <p:txEl>
+                                              <p:pRg st="3" end="3"/>
+                                            </p:txEl>
+                                          </p:spTgt>
+                                        </p:tgtEl>
+                                        <p:attrNameLst>
+                                          <p:attrName>ppt_x</p:attrName>
+                                        </p:attrNameLst>
+                                      </p:cBhvr>
+                                      <p:tavLst>
+                                        <p:tav tm="0">
+                                          <p:val>
+                                            <p:strVal val="#ppt_x"/>
+                                          </p:val>
+                                        </p:tav>
+                                        <p:tav tm="100000">
+                                          <p:val>
+                                            <p:strVal val="#ppt_x"/>
+                                          </p:val>
+                                        </p:tav>
+                                      </p:tavLst>
+                                    </p:anim>
+                                    <p:anim calcmode="lin" valueType="num">
+                                      <p:cBhvr>
+                                        <p:cTn id="30" dur="500" fill="hold"/>
+                                        <p:tgtEl>
+                                          <p:spTgt spid="5">
+                                            <p:txEl>
+                                              <p:pRg st="3" end="3"/>
+                                            </p:txEl>
+                                          </p:spTgt>
+                                        </p:tgtEl>
+                                        <p:attrNameLst>
+                                          <p:attrName>ppt_y</p:attrName>
+                                        </p:attrNameLst>
+                                      </p:cBhvr>
+                                      <p:tavLst>
+                                        <p:tav tm="0">
+                                          <p:val>
+                                            <p:strVal val="#ppt_y+.1"/>
+                                          </p:val>
+                                        </p:tav>
+                                        <p:tav tm="100000">
+                                          <p:val>
+                                            <p:strVal val="#ppt_y"/>
+                                          </p:val>
+                                        </p:tav>
+                                      </p:tavLst>
+                                    </p:anim>
+                                  </p:childTnLst>
+                                </p:cTn>
+                              </p:par>
+                            </p:childTnLst>
+                          </p:cTn>
+                        </p:par>
+                      </p:childTnLst>
+                    </p:cTn>
+                  </p:par>
+                </p:childTnLst>
+              </p:cTn>
+              <p:prevCondLst>
+                <p:cond evt="onPrev" delay="0">
+                  <p:tgtEl>
+                    <p:sldTgt/>
+                  </p:tgtEl>
+                </p:cond>
+              </p:prevCondLst>
+              <p:nextCondLst>
+                <p:cond evt="onNext" delay="0">
+                  <p:tgtEl>
+                    <p:sldTgt/>
+                  </p:tgtEl>
+                </p:cond>
+              </p:nextCondLst>
+            </p:seq>
+          </p:childTnLst>
+        </p:cTn>
+      </p:par>
+    </p:tnLst>
+    <p:bldLst>
+      <p:bldP spid="5" grpId="0" build="p"/>
+    </p:bldLst>
+  </p:timing>
+</p:sld>
+</file>
+
 <file path=ppt/theme/theme1.xml><?xml version="1.0" encoding="utf-8"?>
 <a:theme xmlns:a="http://schemas.openxmlformats.org/drawingml/2006/main" name="Тема Office">
   <a:themeElements>
